--- a/Milestones/Milestone1Presentation.pptx
+++ b/Milestones/Milestone1Presentation.pptx
@@ -13,6 +13,7 @@
     <p:sldId id="263" r:id="rId7"/>
     <p:sldId id="261" r:id="rId8"/>
     <p:sldId id="262" r:id="rId9"/>
+    <p:sldId id="264" r:id="rId10"/>
   </p:sldIdLst>
   <p:sldSz cx="12192000" cy="6858000"/>
   <p:notesSz cx="6858000" cy="9144000"/>
@@ -169,7 +170,7 @@
           <a:noFill/>
           <a:extLst>
             <a:ext uri="{909E8E84-426E-40dd-AFC4-6F175D3DCCD1}">
-              <a14:hiddenFill xmlns="" xmlns:a14="http://schemas.microsoft.com/office/drawing/2010/main">
+              <a14:hiddenFill xmlns:a14="http://schemas.microsoft.com/office/drawing/2010/main" xmlns="">
                 <a:solidFill>
                   <a:srgbClr val="FFFFFF"/>
                 </a:solidFill>
@@ -229,7 +230,7 @@
             </a:ln>
             <a:extLst>
               <a:ext uri="{91240B29-F687-4f45-9708-019B960494DF}">
-                <a14:hiddenLine xmlns="" xmlns:a14="http://schemas.microsoft.com/office/drawing/2010/main" w="9525">
+                <a14:hiddenLine xmlns:a14="http://schemas.microsoft.com/office/drawing/2010/main" xmlns="" w="9525">
                   <a:solidFill>
                     <a:srgbClr val="000000"/>
                   </a:solidFill>
@@ -319,7 +320,7 @@
             </a:ln>
             <a:extLst>
               <a:ext uri="{91240B29-F687-4f45-9708-019B960494DF}">
-                <a14:hiddenLine xmlns="" xmlns:a14="http://schemas.microsoft.com/office/drawing/2010/main" w="9525">
+                <a14:hiddenLine xmlns:a14="http://schemas.microsoft.com/office/drawing/2010/main" xmlns="" w="9525">
                   <a:solidFill>
                     <a:srgbClr val="000000"/>
                   </a:solidFill>
@@ -409,7 +410,7 @@
             </a:ln>
             <a:extLst>
               <a:ext uri="{91240B29-F687-4f45-9708-019B960494DF}">
-                <a14:hiddenLine xmlns="" xmlns:a14="http://schemas.microsoft.com/office/drawing/2010/main" w="9525">
+                <a14:hiddenLine xmlns:a14="http://schemas.microsoft.com/office/drawing/2010/main" xmlns="" w="9525">
                   <a:solidFill>
                     <a:srgbClr val="000000"/>
                   </a:solidFill>
@@ -443,7 +444,7 @@
             </a:ln>
             <a:extLst>
               <a:ext uri="{91240B29-F687-4f45-9708-019B960494DF}">
-                <a14:hiddenLine xmlns="" xmlns:a14="http://schemas.microsoft.com/office/drawing/2010/main" w="9525">
+                <a14:hiddenLine xmlns:a14="http://schemas.microsoft.com/office/drawing/2010/main" xmlns="" w="9525">
                   <a:solidFill>
                     <a:srgbClr val="000000"/>
                   </a:solidFill>
@@ -533,7 +534,7 @@
             </a:ln>
             <a:extLst>
               <a:ext uri="{91240B29-F687-4f45-9708-019B960494DF}">
-                <a14:hiddenLine xmlns="" xmlns:a14="http://schemas.microsoft.com/office/drawing/2010/main" w="9525">
+                <a14:hiddenLine xmlns:a14="http://schemas.microsoft.com/office/drawing/2010/main" xmlns="" w="9525">
                   <a:solidFill>
                     <a:srgbClr val="000000"/>
                   </a:solidFill>
@@ -595,7 +596,7 @@
             </a:ln>
             <a:extLst>
               <a:ext uri="{91240B29-F687-4f45-9708-019B960494DF}">
-                <a14:hiddenLine xmlns="" xmlns:a14="http://schemas.microsoft.com/office/drawing/2010/main" w="9525">
+                <a14:hiddenLine xmlns:a14="http://schemas.microsoft.com/office/drawing/2010/main" xmlns="" w="9525">
                   <a:solidFill>
                     <a:srgbClr val="000000"/>
                   </a:solidFill>
@@ -657,7 +658,7 @@
             </a:ln>
             <a:extLst>
               <a:ext uri="{91240B29-F687-4f45-9708-019B960494DF}">
-                <a14:hiddenLine xmlns="" xmlns:a14="http://schemas.microsoft.com/office/drawing/2010/main" w="9525">
+                <a14:hiddenLine xmlns:a14="http://schemas.microsoft.com/office/drawing/2010/main" xmlns="" w="9525">
                   <a:solidFill>
                     <a:srgbClr val="000000"/>
                   </a:solidFill>
@@ -747,7 +748,7 @@
             </a:ln>
             <a:extLst>
               <a:ext uri="{91240B29-F687-4f45-9708-019B960494DF}">
-                <a14:hiddenLine xmlns="" xmlns:a14="http://schemas.microsoft.com/office/drawing/2010/main" w="9525">
+                <a14:hiddenLine xmlns:a14="http://schemas.microsoft.com/office/drawing/2010/main" xmlns="" w="9525">
                   <a:solidFill>
                     <a:srgbClr val="000000"/>
                   </a:solidFill>
@@ -809,7 +810,7 @@
             </a:ln>
             <a:extLst>
               <a:ext uri="{91240B29-F687-4f45-9708-019B960494DF}">
-                <a14:hiddenLine xmlns="" xmlns:a14="http://schemas.microsoft.com/office/drawing/2010/main" w="9525">
+                <a14:hiddenLine xmlns:a14="http://schemas.microsoft.com/office/drawing/2010/main" xmlns="" w="9525">
                   <a:solidFill>
                     <a:srgbClr val="000000"/>
                   </a:solidFill>
@@ -871,7 +872,7 @@
             </a:ln>
             <a:extLst>
               <a:ext uri="{91240B29-F687-4f45-9708-019B960494DF}">
-                <a14:hiddenLine xmlns="" xmlns:a14="http://schemas.microsoft.com/office/drawing/2010/main" w="9525">
+                <a14:hiddenLine xmlns:a14="http://schemas.microsoft.com/office/drawing/2010/main" xmlns="" w="9525">
                   <a:solidFill>
                     <a:srgbClr val="000000"/>
                   </a:solidFill>
@@ -961,7 +962,7 @@
             </a:ln>
             <a:extLst>
               <a:ext uri="{91240B29-F687-4f45-9708-019B960494DF}">
-                <a14:hiddenLine xmlns="" xmlns:a14="http://schemas.microsoft.com/office/drawing/2010/main" w="9525">
+                <a14:hiddenLine xmlns:a14="http://schemas.microsoft.com/office/drawing/2010/main" xmlns="" w="9525">
                   <a:solidFill>
                     <a:srgbClr val="000000"/>
                   </a:solidFill>
@@ -1051,7 +1052,7 @@
             </a:ln>
             <a:extLst>
               <a:ext uri="{91240B29-F687-4f45-9708-019B960494DF}">
-                <a14:hiddenLine xmlns="" xmlns:a14="http://schemas.microsoft.com/office/drawing/2010/main" w="9525">
+                <a14:hiddenLine xmlns:a14="http://schemas.microsoft.com/office/drawing/2010/main" xmlns="" w="9525">
                   <a:solidFill>
                     <a:srgbClr val="000000"/>
                   </a:solidFill>
@@ -1113,7 +1114,7 @@
             </a:ln>
             <a:extLst>
               <a:ext uri="{91240B29-F687-4f45-9708-019B960494DF}">
-                <a14:hiddenLine xmlns="" xmlns:a14="http://schemas.microsoft.com/office/drawing/2010/main" w="9525">
+                <a14:hiddenLine xmlns:a14="http://schemas.microsoft.com/office/drawing/2010/main" xmlns="" w="9525">
                   <a:solidFill>
                     <a:srgbClr val="000000"/>
                   </a:solidFill>
@@ -1223,7 +1224,7 @@
             </a:ln>
             <a:extLst>
               <a:ext uri="{91240B29-F687-4f45-9708-019B960494DF}">
-                <a14:hiddenLine xmlns="" xmlns:a14="http://schemas.microsoft.com/office/drawing/2010/main" w="9525">
+                <a14:hiddenLine xmlns:a14="http://schemas.microsoft.com/office/drawing/2010/main" xmlns="" w="9525">
                   <a:solidFill>
                     <a:srgbClr val="000000"/>
                   </a:solidFill>
@@ -1285,7 +1286,7 @@
             </a:ln>
             <a:extLst>
               <a:ext uri="{91240B29-F687-4f45-9708-019B960494DF}">
-                <a14:hiddenLine xmlns="" xmlns:a14="http://schemas.microsoft.com/office/drawing/2010/main" w="9525">
+                <a14:hiddenLine xmlns:a14="http://schemas.microsoft.com/office/drawing/2010/main" xmlns="" w="9525">
                   <a:solidFill>
                     <a:srgbClr val="000000"/>
                   </a:solidFill>
@@ -1375,7 +1376,7 @@
             </a:ln>
             <a:extLst>
               <a:ext uri="{91240B29-F687-4f45-9708-019B960494DF}">
-                <a14:hiddenLine xmlns="" xmlns:a14="http://schemas.microsoft.com/office/drawing/2010/main" w="9525">
+                <a14:hiddenLine xmlns:a14="http://schemas.microsoft.com/office/drawing/2010/main" xmlns="" w="9525">
                   <a:solidFill>
                     <a:srgbClr val="000000"/>
                   </a:solidFill>
@@ -1465,7 +1466,7 @@
             </a:ln>
             <a:extLst>
               <a:ext uri="{91240B29-F687-4f45-9708-019B960494DF}">
-                <a14:hiddenLine xmlns="" xmlns:a14="http://schemas.microsoft.com/office/drawing/2010/main" w="9525">
+                <a14:hiddenLine xmlns:a14="http://schemas.microsoft.com/office/drawing/2010/main" xmlns="" w="9525">
                   <a:solidFill>
                     <a:srgbClr val="000000"/>
                   </a:solidFill>
@@ -1527,7 +1528,7 @@
             </a:ln>
             <a:extLst>
               <a:ext uri="{91240B29-F687-4f45-9708-019B960494DF}">
-                <a14:hiddenLine xmlns="" xmlns:a14="http://schemas.microsoft.com/office/drawing/2010/main" w="9525">
+                <a14:hiddenLine xmlns:a14="http://schemas.microsoft.com/office/drawing/2010/main" xmlns="" w="9525">
                   <a:solidFill>
                     <a:srgbClr val="000000"/>
                   </a:solidFill>
@@ -1617,7 +1618,7 @@
             </a:ln>
             <a:extLst>
               <a:ext uri="{91240B29-F687-4f45-9708-019B960494DF}">
-                <a14:hiddenLine xmlns="" xmlns:a14="http://schemas.microsoft.com/office/drawing/2010/main" w="9525">
+                <a14:hiddenLine xmlns:a14="http://schemas.microsoft.com/office/drawing/2010/main" xmlns="" w="9525">
                   <a:solidFill>
                     <a:srgbClr val="000000"/>
                   </a:solidFill>
@@ -1707,7 +1708,7 @@
             </a:ln>
             <a:extLst>
               <a:ext uri="{91240B29-F687-4f45-9708-019B960494DF}">
-                <a14:hiddenLine xmlns="" xmlns:a14="http://schemas.microsoft.com/office/drawing/2010/main" w="9525">
+                <a14:hiddenLine xmlns:a14="http://schemas.microsoft.com/office/drawing/2010/main" xmlns="" w="9525">
                   <a:solidFill>
                     <a:srgbClr val="000000"/>
                   </a:solidFill>
@@ -1763,7 +1764,7 @@
             </a:ln>
             <a:extLst>
               <a:ext uri="{91240B29-F687-4f45-9708-019B960494DF}">
-                <a14:hiddenLine xmlns="" xmlns:a14="http://schemas.microsoft.com/office/drawing/2010/main" w="9525">
+                <a14:hiddenLine xmlns:a14="http://schemas.microsoft.com/office/drawing/2010/main" xmlns="" w="9525">
                   <a:solidFill>
                     <a:srgbClr val="000000"/>
                   </a:solidFill>
@@ -1853,7 +1854,7 @@
             </a:ln>
             <a:extLst>
               <a:ext uri="{91240B29-F687-4f45-9708-019B960494DF}">
-                <a14:hiddenLine xmlns="" xmlns:a14="http://schemas.microsoft.com/office/drawing/2010/main" w="9525">
+                <a14:hiddenLine xmlns:a14="http://schemas.microsoft.com/office/drawing/2010/main" xmlns="" w="9525">
                   <a:solidFill>
                     <a:srgbClr val="000000"/>
                   </a:solidFill>
@@ -1909,7 +1910,7 @@
             </a:ln>
             <a:extLst>
               <a:ext uri="{91240B29-F687-4f45-9708-019B960494DF}">
-                <a14:hiddenLine xmlns="" xmlns:a14="http://schemas.microsoft.com/office/drawing/2010/main" w="9525">
+                <a14:hiddenLine xmlns:a14="http://schemas.microsoft.com/office/drawing/2010/main" xmlns="" w="9525">
                   <a:solidFill>
                     <a:srgbClr val="000000"/>
                   </a:solidFill>
@@ -1999,7 +2000,7 @@
             </a:ln>
             <a:extLst>
               <a:ext uri="{91240B29-F687-4f45-9708-019B960494DF}">
-                <a14:hiddenLine xmlns="" xmlns:a14="http://schemas.microsoft.com/office/drawing/2010/main" w="9525">
+                <a14:hiddenLine xmlns:a14="http://schemas.microsoft.com/office/drawing/2010/main" xmlns="" w="9525">
                   <a:solidFill>
                     <a:srgbClr val="000000"/>
                   </a:solidFill>
@@ -2067,7 +2068,7 @@
             </a:ln>
             <a:extLst>
               <a:ext uri="{91240B29-F687-4f45-9708-019B960494DF}">
-                <a14:hiddenLine xmlns="" xmlns:a14="http://schemas.microsoft.com/office/drawing/2010/main" w="9525">
+                <a14:hiddenLine xmlns:a14="http://schemas.microsoft.com/office/drawing/2010/main" xmlns="" w="9525">
                   <a:solidFill>
                     <a:srgbClr val="000000"/>
                   </a:solidFill>
@@ -2157,7 +2158,7 @@
             </a:ln>
             <a:extLst>
               <a:ext uri="{91240B29-F687-4f45-9708-019B960494DF}">
-                <a14:hiddenLine xmlns="" xmlns:a14="http://schemas.microsoft.com/office/drawing/2010/main" w="9525">
+                <a14:hiddenLine xmlns:a14="http://schemas.microsoft.com/office/drawing/2010/main" xmlns="" w="9525">
                   <a:solidFill>
                     <a:srgbClr val="000000"/>
                   </a:solidFill>
@@ -2225,7 +2226,7 @@
             </a:ln>
             <a:extLst>
               <a:ext uri="{91240B29-F687-4f45-9708-019B960494DF}">
-                <a14:hiddenLine xmlns="" xmlns:a14="http://schemas.microsoft.com/office/drawing/2010/main" w="9525">
+                <a14:hiddenLine xmlns:a14="http://schemas.microsoft.com/office/drawing/2010/main" xmlns="" w="9525">
                   <a:solidFill>
                     <a:srgbClr val="000000"/>
                   </a:solidFill>
@@ -2315,7 +2316,7 @@
             </a:ln>
             <a:extLst>
               <a:ext uri="{91240B29-F687-4f45-9708-019B960494DF}">
-                <a14:hiddenLine xmlns="" xmlns:a14="http://schemas.microsoft.com/office/drawing/2010/main" w="9525">
+                <a14:hiddenLine xmlns:a14="http://schemas.microsoft.com/office/drawing/2010/main" xmlns="" w="9525">
                   <a:solidFill>
                     <a:srgbClr val="000000"/>
                   </a:solidFill>
@@ -2349,7 +2350,7 @@
             </a:ln>
             <a:extLst>
               <a:ext uri="{91240B29-F687-4f45-9708-019B960494DF}">
-                <a14:hiddenLine xmlns="" xmlns:a14="http://schemas.microsoft.com/office/drawing/2010/main" w="9525">
+                <a14:hiddenLine xmlns:a14="http://schemas.microsoft.com/office/drawing/2010/main" xmlns="" w="9525">
                   <a:solidFill>
                     <a:srgbClr val="000000"/>
                   </a:solidFill>
@@ -2439,7 +2440,7 @@
             </a:ln>
             <a:extLst>
               <a:ext uri="{91240B29-F687-4f45-9708-019B960494DF}">
-                <a14:hiddenLine xmlns="" xmlns:a14="http://schemas.microsoft.com/office/drawing/2010/main" w="9525">
+                <a14:hiddenLine xmlns:a14="http://schemas.microsoft.com/office/drawing/2010/main" xmlns="" w="9525">
                   <a:solidFill>
                     <a:srgbClr val="000000"/>
                   </a:solidFill>
@@ -2501,7 +2502,7 @@
             </a:ln>
             <a:extLst>
               <a:ext uri="{91240B29-F687-4f45-9708-019B960494DF}">
-                <a14:hiddenLine xmlns="" xmlns:a14="http://schemas.microsoft.com/office/drawing/2010/main" w="9525">
+                <a14:hiddenLine xmlns:a14="http://schemas.microsoft.com/office/drawing/2010/main" xmlns="" w="9525">
                   <a:solidFill>
                     <a:srgbClr val="000000"/>
                   </a:solidFill>
@@ -2563,7 +2564,7 @@
             </a:ln>
             <a:extLst>
               <a:ext uri="{91240B29-F687-4f45-9708-019B960494DF}">
-                <a14:hiddenLine xmlns="" xmlns:a14="http://schemas.microsoft.com/office/drawing/2010/main" w="9525">
+                <a14:hiddenLine xmlns:a14="http://schemas.microsoft.com/office/drawing/2010/main" xmlns="" w="9525">
                   <a:solidFill>
                     <a:srgbClr val="000000"/>
                   </a:solidFill>
@@ -2653,7 +2654,7 @@
             </a:ln>
             <a:extLst>
               <a:ext uri="{91240B29-F687-4f45-9708-019B960494DF}">
-                <a14:hiddenLine xmlns="" xmlns:a14="http://schemas.microsoft.com/office/drawing/2010/main" w="9525">
+                <a14:hiddenLine xmlns:a14="http://schemas.microsoft.com/office/drawing/2010/main" xmlns="" w="9525">
                   <a:solidFill>
                     <a:srgbClr val="000000"/>
                   </a:solidFill>
@@ -2721,7 +2722,7 @@
             </a:ln>
             <a:extLst>
               <a:ext uri="{91240B29-F687-4f45-9708-019B960494DF}">
-                <a14:hiddenLine xmlns="" xmlns:a14="http://schemas.microsoft.com/office/drawing/2010/main" w="9525">
+                <a14:hiddenLine xmlns:a14="http://schemas.microsoft.com/office/drawing/2010/main" xmlns="" w="9525">
                   <a:solidFill>
                     <a:srgbClr val="000000"/>
                   </a:solidFill>
@@ -2783,7 +2784,7 @@
             </a:ln>
             <a:extLst>
               <a:ext uri="{91240B29-F687-4f45-9708-019B960494DF}">
-                <a14:hiddenLine xmlns="" xmlns:a14="http://schemas.microsoft.com/office/drawing/2010/main" w="9525">
+                <a14:hiddenLine xmlns:a14="http://schemas.microsoft.com/office/drawing/2010/main" xmlns="" w="9525">
                   <a:solidFill>
                     <a:srgbClr val="000000"/>
                   </a:solidFill>
@@ -2873,7 +2874,7 @@
             </a:ln>
             <a:extLst>
               <a:ext uri="{91240B29-F687-4f45-9708-019B960494DF}">
-                <a14:hiddenLine xmlns="" xmlns:a14="http://schemas.microsoft.com/office/drawing/2010/main" w="9525">
+                <a14:hiddenLine xmlns:a14="http://schemas.microsoft.com/office/drawing/2010/main" xmlns="" w="9525">
                   <a:solidFill>
                     <a:srgbClr val="000000"/>
                   </a:solidFill>
@@ -2935,7 +2936,7 @@
             </a:ln>
             <a:extLst>
               <a:ext uri="{91240B29-F687-4f45-9708-019B960494DF}">
-                <a14:hiddenLine xmlns="" xmlns:a14="http://schemas.microsoft.com/office/drawing/2010/main" w="9525">
+                <a14:hiddenLine xmlns:a14="http://schemas.microsoft.com/office/drawing/2010/main" xmlns="" w="9525">
                   <a:solidFill>
                     <a:srgbClr val="000000"/>
                   </a:solidFill>
@@ -3025,7 +3026,7 @@
             </a:ln>
             <a:extLst>
               <a:ext uri="{91240B29-F687-4f45-9708-019B960494DF}">
-                <a14:hiddenLine xmlns="" xmlns:a14="http://schemas.microsoft.com/office/drawing/2010/main" w="9525">
+                <a14:hiddenLine xmlns:a14="http://schemas.microsoft.com/office/drawing/2010/main" xmlns="" w="9525">
                   <a:solidFill>
                     <a:srgbClr val="000000"/>
                   </a:solidFill>
@@ -3087,7 +3088,7 @@
             </a:ln>
             <a:extLst>
               <a:ext uri="{91240B29-F687-4f45-9708-019B960494DF}">
-                <a14:hiddenLine xmlns="" xmlns:a14="http://schemas.microsoft.com/office/drawing/2010/main" w="9525">
+                <a14:hiddenLine xmlns:a14="http://schemas.microsoft.com/office/drawing/2010/main" xmlns="" w="9525">
                   <a:solidFill>
                     <a:srgbClr val="000000"/>
                   </a:solidFill>
@@ -3177,7 +3178,7 @@
             </a:ln>
             <a:extLst>
               <a:ext uri="{91240B29-F687-4f45-9708-019B960494DF}">
-                <a14:hiddenLine xmlns="" xmlns:a14="http://schemas.microsoft.com/office/drawing/2010/main" w="9525">
+                <a14:hiddenLine xmlns:a14="http://schemas.microsoft.com/office/drawing/2010/main" xmlns="" w="9525">
                   <a:solidFill>
                     <a:srgbClr val="000000"/>
                   </a:solidFill>
@@ -3211,7 +3212,7 @@
             </a:ln>
             <a:extLst>
               <a:ext uri="{91240B29-F687-4f45-9708-019B960494DF}">
-                <a14:hiddenLine xmlns="" xmlns:a14="http://schemas.microsoft.com/office/drawing/2010/main" w="9525">
+                <a14:hiddenLine xmlns:a14="http://schemas.microsoft.com/office/drawing/2010/main" xmlns="" w="9525">
                   <a:solidFill>
                     <a:srgbClr val="000000"/>
                   </a:solidFill>
@@ -3276,7 +3277,7 @@
             </a:ln>
             <a:extLst>
               <a:ext uri="{91240B29-F687-4f45-9708-019B960494DF}">
-                <a14:hiddenLine xmlns="" xmlns:a14="http://schemas.microsoft.com/office/drawing/2010/main" w="9525">
+                <a14:hiddenLine xmlns:a14="http://schemas.microsoft.com/office/drawing/2010/main" xmlns="" w="9525">
                   <a:solidFill>
                     <a:srgbClr val="000000"/>
                   </a:solidFill>
@@ -3366,7 +3367,7 @@
             </a:ln>
             <a:extLst>
               <a:ext uri="{91240B29-F687-4f45-9708-019B960494DF}">
-                <a14:hiddenLine xmlns="" xmlns:a14="http://schemas.microsoft.com/office/drawing/2010/main" w="9525">
+                <a14:hiddenLine xmlns:a14="http://schemas.microsoft.com/office/drawing/2010/main" xmlns="" w="9525">
                   <a:solidFill>
                     <a:srgbClr val="000000"/>
                   </a:solidFill>
@@ -3428,7 +3429,7 @@
             </a:ln>
             <a:extLst>
               <a:ext uri="{91240B29-F687-4f45-9708-019B960494DF}">
-                <a14:hiddenLine xmlns="" xmlns:a14="http://schemas.microsoft.com/office/drawing/2010/main" w="9525">
+                <a14:hiddenLine xmlns:a14="http://schemas.microsoft.com/office/drawing/2010/main" xmlns="" w="9525">
                   <a:solidFill>
                     <a:srgbClr val="000000"/>
                   </a:solidFill>
@@ -3518,7 +3519,7 @@
             </a:ln>
             <a:extLst>
               <a:ext uri="{91240B29-F687-4f45-9708-019B960494DF}">
-                <a14:hiddenLine xmlns="" xmlns:a14="http://schemas.microsoft.com/office/drawing/2010/main" w="9525">
+                <a14:hiddenLine xmlns:a14="http://schemas.microsoft.com/office/drawing/2010/main" xmlns="" w="9525">
                   <a:solidFill>
                     <a:srgbClr val="000000"/>
                   </a:solidFill>
@@ -3608,7 +3609,7 @@
             </a:ln>
             <a:extLst>
               <a:ext uri="{91240B29-F687-4f45-9708-019B960494DF}">
-                <a14:hiddenLine xmlns="" xmlns:a14="http://schemas.microsoft.com/office/drawing/2010/main" w="9525">
+                <a14:hiddenLine xmlns:a14="http://schemas.microsoft.com/office/drawing/2010/main" xmlns="" w="9525">
                   <a:solidFill>
                     <a:srgbClr val="000000"/>
                   </a:solidFill>
@@ -3673,7 +3674,7 @@
             </a:ln>
             <a:extLst>
               <a:ext uri="{91240B29-F687-4f45-9708-019B960494DF}">
-                <a14:hiddenLine xmlns="" xmlns:a14="http://schemas.microsoft.com/office/drawing/2010/main" w="9525">
+                <a14:hiddenLine xmlns:a14="http://schemas.microsoft.com/office/drawing/2010/main" xmlns="" w="9525">
                   <a:solidFill>
                     <a:srgbClr val="000000"/>
                   </a:solidFill>
@@ -3735,7 +3736,7 @@
             </a:ln>
             <a:extLst>
               <a:ext uri="{91240B29-F687-4f45-9708-019B960494DF}">
-                <a14:hiddenLine xmlns="" xmlns:a14="http://schemas.microsoft.com/office/drawing/2010/main" w="9525">
+                <a14:hiddenLine xmlns:a14="http://schemas.microsoft.com/office/drawing/2010/main" xmlns="" w="9525">
                   <a:solidFill>
                     <a:srgbClr val="000000"/>
                   </a:solidFill>
@@ -3825,7 +3826,7 @@
             </a:ln>
             <a:extLst>
               <a:ext uri="{91240B29-F687-4f45-9708-019B960494DF}">
-                <a14:hiddenLine xmlns="" xmlns:a14="http://schemas.microsoft.com/office/drawing/2010/main" w="9525">
+                <a14:hiddenLine xmlns:a14="http://schemas.microsoft.com/office/drawing/2010/main" xmlns="" w="9525">
                   <a:solidFill>
                     <a:srgbClr val="000000"/>
                   </a:solidFill>
@@ -3915,7 +3916,7 @@
             </a:ln>
             <a:extLst>
               <a:ext uri="{91240B29-F687-4f45-9708-019B960494DF}">
-                <a14:hiddenLine xmlns="" xmlns:a14="http://schemas.microsoft.com/office/drawing/2010/main" w="9525">
+                <a14:hiddenLine xmlns:a14="http://schemas.microsoft.com/office/drawing/2010/main" xmlns="" w="9525">
                   <a:solidFill>
                     <a:srgbClr val="000000"/>
                   </a:solidFill>
@@ -3977,7 +3978,7 @@
             </a:ln>
             <a:extLst>
               <a:ext uri="{91240B29-F687-4f45-9708-019B960494DF}">
-                <a14:hiddenLine xmlns="" xmlns:a14="http://schemas.microsoft.com/office/drawing/2010/main" w="9525">
+                <a14:hiddenLine xmlns:a14="http://schemas.microsoft.com/office/drawing/2010/main" xmlns="" w="9525">
                   <a:solidFill>
                     <a:srgbClr val="000000"/>
                   </a:solidFill>
@@ -4097,7 +4098,7 @@
             </a:ln>
             <a:extLst>
               <a:ext uri="{91240B29-F687-4f45-9708-019B960494DF}">
-                <a14:hiddenLine xmlns="" xmlns:a14="http://schemas.microsoft.com/office/drawing/2010/main" w="9525">
+                <a14:hiddenLine xmlns:a14="http://schemas.microsoft.com/office/drawing/2010/main" xmlns="" w="9525">
                   <a:solidFill>
                     <a:srgbClr val="000000"/>
                   </a:solidFill>
@@ -4165,7 +4166,7 @@
             </a:ln>
             <a:extLst>
               <a:ext uri="{91240B29-F687-4f45-9708-019B960494DF}">
-                <a14:hiddenLine xmlns="" xmlns:a14="http://schemas.microsoft.com/office/drawing/2010/main" w="9525">
+                <a14:hiddenLine xmlns:a14="http://schemas.microsoft.com/office/drawing/2010/main" xmlns="" w="9525">
                   <a:solidFill>
                     <a:srgbClr val="000000"/>
                   </a:solidFill>
@@ -4255,7 +4256,7 @@
             </a:ln>
             <a:extLst>
               <a:ext uri="{91240B29-F687-4f45-9708-019B960494DF}">
-                <a14:hiddenLine xmlns="" xmlns:a14="http://schemas.microsoft.com/office/drawing/2010/main" w="9525">
+                <a14:hiddenLine xmlns:a14="http://schemas.microsoft.com/office/drawing/2010/main" xmlns="" w="9525">
                   <a:solidFill>
                     <a:srgbClr val="000000"/>
                   </a:solidFill>
@@ -9062,7 +9063,7 @@
           <a:noFill/>
           <a:extLst>
             <a:ext uri="{909E8E84-426E-40dd-AFC4-6F175D3DCCD1}">
-              <a14:hiddenFill xmlns="" xmlns:a14="http://schemas.microsoft.com/office/drawing/2010/main">
+              <a14:hiddenFill xmlns:a14="http://schemas.microsoft.com/office/drawing/2010/main" xmlns="">
                 <a:solidFill>
                   <a:srgbClr val="FFFFFF"/>
                 </a:solidFill>
@@ -9136,7 +9137,7 @@
               </a:ln>
               <a:extLst>
                 <a:ext uri="{91240B29-F687-4f45-9708-019B960494DF}">
-                  <a14:hiddenLine xmlns="" xmlns:a14="http://schemas.microsoft.com/office/drawing/2010/main" w="9525">
+                  <a14:hiddenLine xmlns:a14="http://schemas.microsoft.com/office/drawing/2010/main" xmlns="" w="9525">
                     <a:solidFill>
                       <a:srgbClr val="000000"/>
                     </a:solidFill>
@@ -9226,7 +9227,7 @@
               </a:ln>
               <a:extLst>
                 <a:ext uri="{91240B29-F687-4f45-9708-019B960494DF}">
-                  <a14:hiddenLine xmlns="" xmlns:a14="http://schemas.microsoft.com/office/drawing/2010/main" w="9525">
+                  <a14:hiddenLine xmlns:a14="http://schemas.microsoft.com/office/drawing/2010/main" xmlns="" w="9525">
                     <a:solidFill>
                       <a:srgbClr val="000000"/>
                     </a:solidFill>
@@ -9316,7 +9317,7 @@
               </a:ln>
               <a:extLst>
                 <a:ext uri="{91240B29-F687-4f45-9708-019B960494DF}">
-                  <a14:hiddenLine xmlns="" xmlns:a14="http://schemas.microsoft.com/office/drawing/2010/main" w="9525">
+                  <a14:hiddenLine xmlns:a14="http://schemas.microsoft.com/office/drawing/2010/main" xmlns="" w="9525">
                     <a:solidFill>
                       <a:srgbClr val="000000"/>
                     </a:solidFill>
@@ -9378,7 +9379,7 @@
               </a:ln>
               <a:extLst>
                 <a:ext uri="{91240B29-F687-4f45-9708-019B960494DF}">
-                  <a14:hiddenLine xmlns="" xmlns:a14="http://schemas.microsoft.com/office/drawing/2010/main" w="9525">
+                  <a14:hiddenLine xmlns:a14="http://schemas.microsoft.com/office/drawing/2010/main" xmlns="" w="9525">
                     <a:solidFill>
                       <a:srgbClr val="000000"/>
                     </a:solidFill>
@@ -9468,7 +9469,7 @@
               </a:ln>
               <a:extLst>
                 <a:ext uri="{91240B29-F687-4f45-9708-019B960494DF}">
-                  <a14:hiddenLine xmlns="" xmlns:a14="http://schemas.microsoft.com/office/drawing/2010/main" w="9525">
+                  <a14:hiddenLine xmlns:a14="http://schemas.microsoft.com/office/drawing/2010/main" xmlns="" w="9525">
                     <a:solidFill>
                       <a:srgbClr val="000000"/>
                     </a:solidFill>
@@ -9530,7 +9531,7 @@
               </a:ln>
               <a:extLst>
                 <a:ext uri="{91240B29-F687-4f45-9708-019B960494DF}">
-                  <a14:hiddenLine xmlns="" xmlns:a14="http://schemas.microsoft.com/office/drawing/2010/main" w="9525">
+                  <a14:hiddenLine xmlns:a14="http://schemas.microsoft.com/office/drawing/2010/main" xmlns="" w="9525">
                     <a:solidFill>
                       <a:srgbClr val="000000"/>
                     </a:solidFill>
@@ -9592,7 +9593,7 @@
               </a:ln>
               <a:extLst>
                 <a:ext uri="{91240B29-F687-4f45-9708-019B960494DF}">
-                  <a14:hiddenLine xmlns="" xmlns:a14="http://schemas.microsoft.com/office/drawing/2010/main" w="9525">
+                  <a14:hiddenLine xmlns:a14="http://schemas.microsoft.com/office/drawing/2010/main" xmlns="" w="9525">
                     <a:solidFill>
                       <a:srgbClr val="000000"/>
                     </a:solidFill>
@@ -9682,7 +9683,7 @@
               </a:ln>
               <a:extLst>
                 <a:ext uri="{91240B29-F687-4f45-9708-019B960494DF}">
-                  <a14:hiddenLine xmlns="" xmlns:a14="http://schemas.microsoft.com/office/drawing/2010/main" w="9525">
+                  <a14:hiddenLine xmlns:a14="http://schemas.microsoft.com/office/drawing/2010/main" xmlns="" w="9525">
                     <a:solidFill>
                       <a:srgbClr val="000000"/>
                     </a:solidFill>
@@ -9772,7 +9773,7 @@
               </a:ln>
               <a:extLst>
                 <a:ext uri="{91240B29-F687-4f45-9708-019B960494DF}">
-                  <a14:hiddenLine xmlns="" xmlns:a14="http://schemas.microsoft.com/office/drawing/2010/main" w="9525">
+                  <a14:hiddenLine xmlns:a14="http://schemas.microsoft.com/office/drawing/2010/main" xmlns="" w="9525">
                     <a:solidFill>
                       <a:srgbClr val="000000"/>
                     </a:solidFill>
@@ -9834,7 +9835,7 @@
               </a:ln>
               <a:extLst>
                 <a:ext uri="{91240B29-F687-4f45-9708-019B960494DF}">
-                  <a14:hiddenLine xmlns="" xmlns:a14="http://schemas.microsoft.com/office/drawing/2010/main" w="9525">
+                  <a14:hiddenLine xmlns:a14="http://schemas.microsoft.com/office/drawing/2010/main" xmlns="" w="9525">
                     <a:solidFill>
                       <a:srgbClr val="000000"/>
                     </a:solidFill>
@@ -9944,7 +9945,7 @@
               </a:ln>
               <a:extLst>
                 <a:ext uri="{91240B29-F687-4f45-9708-019B960494DF}">
-                  <a14:hiddenLine xmlns="" xmlns:a14="http://schemas.microsoft.com/office/drawing/2010/main" w="9525">
+                  <a14:hiddenLine xmlns:a14="http://schemas.microsoft.com/office/drawing/2010/main" xmlns="" w="9525">
                     <a:solidFill>
                       <a:srgbClr val="000000"/>
                     </a:solidFill>
@@ -10028,7 +10029,7 @@
               </a:ln>
               <a:extLst>
                 <a:ext uri="{91240B29-F687-4f45-9708-019B960494DF}">
-                  <a14:hiddenLine xmlns="" xmlns:a14="http://schemas.microsoft.com/office/drawing/2010/main" w="9525">
+                  <a14:hiddenLine xmlns:a14="http://schemas.microsoft.com/office/drawing/2010/main" xmlns="" w="9525">
                     <a:solidFill>
                       <a:srgbClr val="000000"/>
                     </a:solidFill>
@@ -10090,7 +10091,7 @@
               </a:ln>
               <a:extLst>
                 <a:ext uri="{91240B29-F687-4f45-9708-019B960494DF}">
-                  <a14:hiddenLine xmlns="" xmlns:a14="http://schemas.microsoft.com/office/drawing/2010/main" w="9525">
+                  <a14:hiddenLine xmlns:a14="http://schemas.microsoft.com/office/drawing/2010/main" xmlns="" w="9525">
                     <a:solidFill>
                       <a:srgbClr val="000000"/>
                     </a:solidFill>
@@ -10152,7 +10153,7 @@
               </a:ln>
               <a:extLst>
                 <a:ext uri="{91240B29-F687-4f45-9708-019B960494DF}">
-                  <a14:hiddenLine xmlns="" xmlns:a14="http://schemas.microsoft.com/office/drawing/2010/main" w="9525">
+                  <a14:hiddenLine xmlns:a14="http://schemas.microsoft.com/office/drawing/2010/main" xmlns="" w="9525">
                     <a:solidFill>
                       <a:srgbClr val="000000"/>
                     </a:solidFill>
@@ -10242,7 +10243,7 @@
               </a:ln>
               <a:extLst>
                 <a:ext uri="{91240B29-F687-4f45-9708-019B960494DF}">
-                  <a14:hiddenLine xmlns="" xmlns:a14="http://schemas.microsoft.com/office/drawing/2010/main" w="9525">
+                  <a14:hiddenLine xmlns:a14="http://schemas.microsoft.com/office/drawing/2010/main" xmlns="" w="9525">
                     <a:solidFill>
                       <a:srgbClr val="000000"/>
                     </a:solidFill>
@@ -10276,7 +10277,7 @@
               </a:ln>
               <a:extLst>
                 <a:ext uri="{91240B29-F687-4f45-9708-019B960494DF}">
-                  <a14:hiddenLine xmlns="" xmlns:a14="http://schemas.microsoft.com/office/drawing/2010/main" w="9525">
+                  <a14:hiddenLine xmlns:a14="http://schemas.microsoft.com/office/drawing/2010/main" xmlns="" w="9525">
                     <a:solidFill>
                       <a:srgbClr val="000000"/>
                     </a:solidFill>
@@ -10341,7 +10342,7 @@
               </a:ln>
               <a:extLst>
                 <a:ext uri="{91240B29-F687-4f45-9708-019B960494DF}">
-                  <a14:hiddenLine xmlns="" xmlns:a14="http://schemas.microsoft.com/office/drawing/2010/main" w="9525">
+                  <a14:hiddenLine xmlns:a14="http://schemas.microsoft.com/office/drawing/2010/main" xmlns="" w="9525">
                     <a:solidFill>
                       <a:srgbClr val="000000"/>
                     </a:solidFill>
@@ -10431,7 +10432,7 @@
               </a:ln>
               <a:extLst>
                 <a:ext uri="{91240B29-F687-4f45-9708-019B960494DF}">
-                  <a14:hiddenLine xmlns="" xmlns:a14="http://schemas.microsoft.com/office/drawing/2010/main" w="9525">
+                  <a14:hiddenLine xmlns:a14="http://schemas.microsoft.com/office/drawing/2010/main" xmlns="" w="9525">
                     <a:solidFill>
                       <a:srgbClr val="000000"/>
                     </a:solidFill>
@@ -10493,7 +10494,7 @@
               </a:ln>
               <a:extLst>
                 <a:ext uri="{91240B29-F687-4f45-9708-019B960494DF}">
-                  <a14:hiddenLine xmlns="" xmlns:a14="http://schemas.microsoft.com/office/drawing/2010/main" w="9525">
+                  <a14:hiddenLine xmlns:a14="http://schemas.microsoft.com/office/drawing/2010/main" xmlns="" w="9525">
                     <a:solidFill>
                       <a:srgbClr val="000000"/>
                     </a:solidFill>
@@ -10583,7 +10584,7 @@
               </a:ln>
               <a:extLst>
                 <a:ext uri="{91240B29-F687-4f45-9708-019B960494DF}">
-                  <a14:hiddenLine xmlns="" xmlns:a14="http://schemas.microsoft.com/office/drawing/2010/main" w="9525">
+                  <a14:hiddenLine xmlns:a14="http://schemas.microsoft.com/office/drawing/2010/main" xmlns="" w="9525">
                     <a:solidFill>
                       <a:srgbClr val="000000"/>
                     </a:solidFill>
@@ -10648,7 +10649,7 @@
               </a:ln>
               <a:extLst>
                 <a:ext uri="{91240B29-F687-4f45-9708-019B960494DF}">
-                  <a14:hiddenLine xmlns="" xmlns:a14="http://schemas.microsoft.com/office/drawing/2010/main" w="9525">
+                  <a14:hiddenLine xmlns:a14="http://schemas.microsoft.com/office/drawing/2010/main" xmlns="" w="9525">
                     <a:solidFill>
                       <a:srgbClr val="000000"/>
                     </a:solidFill>
@@ -10710,7 +10711,7 @@
               </a:ln>
               <a:extLst>
                 <a:ext uri="{91240B29-F687-4f45-9708-019B960494DF}">
-                  <a14:hiddenLine xmlns="" xmlns:a14="http://schemas.microsoft.com/office/drawing/2010/main" w="9525">
+                  <a14:hiddenLine xmlns:a14="http://schemas.microsoft.com/office/drawing/2010/main" xmlns="" w="9525">
                     <a:solidFill>
                       <a:srgbClr val="000000"/>
                     </a:solidFill>
@@ -10800,7 +10801,7 @@
               </a:ln>
               <a:extLst>
                 <a:ext uri="{91240B29-F687-4f45-9708-019B960494DF}">
-                  <a14:hiddenLine xmlns="" xmlns:a14="http://schemas.microsoft.com/office/drawing/2010/main" w="9525">
+                  <a14:hiddenLine xmlns:a14="http://schemas.microsoft.com/office/drawing/2010/main" xmlns="" w="9525">
                     <a:solidFill>
                       <a:srgbClr val="000000"/>
                     </a:solidFill>
@@ -10890,7 +10891,7 @@
               </a:ln>
               <a:extLst>
                 <a:ext uri="{91240B29-F687-4f45-9708-019B960494DF}">
-                  <a14:hiddenLine xmlns="" xmlns:a14="http://schemas.microsoft.com/office/drawing/2010/main" w="9525">
+                  <a14:hiddenLine xmlns:a14="http://schemas.microsoft.com/office/drawing/2010/main" xmlns="" w="9525">
                     <a:solidFill>
                       <a:srgbClr val="000000"/>
                     </a:solidFill>
@@ -10955,7 +10956,7 @@
               </a:ln>
               <a:extLst>
                 <a:ext uri="{91240B29-F687-4f45-9708-019B960494DF}">
-                  <a14:hiddenLine xmlns="" xmlns:a14="http://schemas.microsoft.com/office/drawing/2010/main" w="9525">
+                  <a14:hiddenLine xmlns:a14="http://schemas.microsoft.com/office/drawing/2010/main" xmlns="" w="9525">
                     <a:solidFill>
                       <a:srgbClr val="000000"/>
                     </a:solidFill>
@@ -11075,7 +11076,7 @@
               </a:ln>
               <a:extLst>
                 <a:ext uri="{91240B29-F687-4f45-9708-019B960494DF}">
-                  <a14:hiddenLine xmlns="" xmlns:a14="http://schemas.microsoft.com/office/drawing/2010/main" w="9525">
+                  <a14:hiddenLine xmlns:a14="http://schemas.microsoft.com/office/drawing/2010/main" xmlns="" w="9525">
                     <a:solidFill>
                       <a:srgbClr val="000000"/>
                     </a:solidFill>
@@ -11173,7 +11174,7 @@
               </a:ln>
               <a:extLst>
                 <a:ext uri="{91240B29-F687-4f45-9708-019B960494DF}">
-                  <a14:hiddenLine xmlns="" xmlns:a14="http://schemas.microsoft.com/office/drawing/2010/main" w="9525">
+                  <a14:hiddenLine xmlns:a14="http://schemas.microsoft.com/office/drawing/2010/main" xmlns="" w="9525">
                     <a:solidFill>
                       <a:srgbClr val="000000"/>
                     </a:solidFill>
@@ -11288,7 +11289,7 @@
               </a:ln>
               <a:extLst>
                 <a:ext uri="{91240B29-F687-4f45-9708-019B960494DF}">
-                  <a14:hiddenLine xmlns="" xmlns:a14="http://schemas.microsoft.com/office/drawing/2010/main" w="9525">
+                  <a14:hiddenLine xmlns:a14="http://schemas.microsoft.com/office/drawing/2010/main" xmlns="" w="9525">
                     <a:solidFill>
                       <a:srgbClr val="000000"/>
                     </a:solidFill>
@@ -11378,7 +11379,7 @@
               </a:ln>
               <a:extLst>
                 <a:ext uri="{91240B29-F687-4f45-9708-019B960494DF}">
-                  <a14:hiddenLine xmlns="" xmlns:a14="http://schemas.microsoft.com/office/drawing/2010/main" w="9525">
+                  <a14:hiddenLine xmlns:a14="http://schemas.microsoft.com/office/drawing/2010/main" xmlns="" w="9525">
                     <a:solidFill>
                       <a:srgbClr val="000000"/>
                     </a:solidFill>
@@ -11443,7 +11444,7 @@
               </a:ln>
               <a:extLst>
                 <a:ext uri="{91240B29-F687-4f45-9708-019B960494DF}">
-                  <a14:hiddenLine xmlns="" xmlns:a14="http://schemas.microsoft.com/office/drawing/2010/main" w="9525">
+                  <a14:hiddenLine xmlns:a14="http://schemas.microsoft.com/office/drawing/2010/main" xmlns="" w="9525">
                     <a:solidFill>
                       <a:srgbClr val="000000"/>
                     </a:solidFill>
@@ -11533,7 +11534,7 @@
               </a:ln>
               <a:extLst>
                 <a:ext uri="{91240B29-F687-4f45-9708-019B960494DF}">
-                  <a14:hiddenLine xmlns="" xmlns:a14="http://schemas.microsoft.com/office/drawing/2010/main" w="9525">
+                  <a14:hiddenLine xmlns:a14="http://schemas.microsoft.com/office/drawing/2010/main" xmlns="" w="9525">
                     <a:solidFill>
                       <a:srgbClr val="000000"/>
                     </a:solidFill>
@@ -11601,7 +11602,7 @@
               </a:ln>
               <a:extLst>
                 <a:ext uri="{91240B29-F687-4f45-9708-019B960494DF}">
-                  <a14:hiddenLine xmlns="" xmlns:a14="http://schemas.microsoft.com/office/drawing/2010/main" w="9525">
+                  <a14:hiddenLine xmlns:a14="http://schemas.microsoft.com/office/drawing/2010/main" xmlns="" w="9525">
                     <a:solidFill>
                       <a:srgbClr val="000000"/>
                     </a:solidFill>
@@ -11691,7 +11692,7 @@
               </a:ln>
               <a:extLst>
                 <a:ext uri="{91240B29-F687-4f45-9708-019B960494DF}">
-                  <a14:hiddenLine xmlns="" xmlns:a14="http://schemas.microsoft.com/office/drawing/2010/main" w="9525">
+                  <a14:hiddenLine xmlns:a14="http://schemas.microsoft.com/office/drawing/2010/main" xmlns="" w="9525">
                     <a:solidFill>
                       <a:srgbClr val="000000"/>
                     </a:solidFill>
@@ -11759,7 +11760,7 @@
               </a:ln>
               <a:extLst>
                 <a:ext uri="{91240B29-F687-4f45-9708-019B960494DF}">
-                  <a14:hiddenLine xmlns="" xmlns:a14="http://schemas.microsoft.com/office/drawing/2010/main" w="9525">
+                  <a14:hiddenLine xmlns:a14="http://schemas.microsoft.com/office/drawing/2010/main" xmlns="" w="9525">
                     <a:solidFill>
                       <a:srgbClr val="000000"/>
                     </a:solidFill>
@@ -11849,7 +11850,7 @@
               </a:ln>
               <a:extLst>
                 <a:ext uri="{91240B29-F687-4f45-9708-019B960494DF}">
-                  <a14:hiddenLine xmlns="" xmlns:a14="http://schemas.microsoft.com/office/drawing/2010/main" w="9525">
+                  <a14:hiddenLine xmlns:a14="http://schemas.microsoft.com/office/drawing/2010/main" xmlns="" w="9525">
                     <a:solidFill>
                       <a:srgbClr val="000000"/>
                     </a:solidFill>
@@ -11883,7 +11884,7 @@
               </a:ln>
               <a:extLst>
                 <a:ext uri="{91240B29-F687-4f45-9708-019B960494DF}">
-                  <a14:hiddenLine xmlns="" xmlns:a14="http://schemas.microsoft.com/office/drawing/2010/main" w="9525">
+                  <a14:hiddenLine xmlns:a14="http://schemas.microsoft.com/office/drawing/2010/main" xmlns="" w="9525">
                     <a:solidFill>
                       <a:srgbClr val="000000"/>
                     </a:solidFill>
@@ -13362,6 +13363,118 @@
 </p:sld>
 </file>
 
+<file path=ppt/slides/slide9.xml><?xml version="1.0" encoding="utf-8"?>
+<p:sld xmlns:a="http://schemas.openxmlformats.org/drawingml/2006/main" xmlns:r="http://schemas.openxmlformats.org/officeDocument/2006/relationships" xmlns:p="http://schemas.openxmlformats.org/presentationml/2006/main">
+  <p:cSld>
+    <p:spTree>
+      <p:nvGrpSpPr>
+        <p:cNvPr id="1" name=""/>
+        <p:cNvGrpSpPr/>
+        <p:nvPr/>
+      </p:nvGrpSpPr>
+      <p:grpSpPr>
+        <a:xfrm>
+          <a:off x="0" y="0"/>
+          <a:ext cx="0" cy="0"/>
+          <a:chOff x="0" y="0"/>
+          <a:chExt cx="0" cy="0"/>
+        </a:xfrm>
+      </p:grpSpPr>
+      <p:sp>
+        <p:nvSpPr>
+          <p:cNvPr id="2" name="Title 1">
+            <a:extLst>
+              <a:ext uri="{FF2B5EF4-FFF2-40B4-BE49-F238E27FC236}">
+                <a16:creationId xmlns:a16="http://schemas.microsoft.com/office/drawing/2014/main" id="{A84417CB-84A5-43D6-976B-65D4F3C0B327}"/>
+              </a:ext>
+            </a:extLst>
+          </p:cNvPr>
+          <p:cNvSpPr>
+            <a:spLocks noGrp="1"/>
+          </p:cNvSpPr>
+          <p:nvPr>
+            <p:ph type="title"/>
+          </p:nvPr>
+        </p:nvSpPr>
+        <p:spPr/>
+        <p:txBody>
+          <a:bodyPr/>
+          <a:lstStyle/>
+          <a:p>
+            <a:r>
+              <a:rPr lang="en-US" dirty="0"/>
+              <a:t>Future Milestones</a:t>
+            </a:r>
+          </a:p>
+        </p:txBody>
+      </p:sp>
+      <p:sp>
+        <p:nvSpPr>
+          <p:cNvPr id="3" name="Content Placeholder 2">
+            <a:extLst>
+              <a:ext uri="{FF2B5EF4-FFF2-40B4-BE49-F238E27FC236}">
+                <a16:creationId xmlns:a16="http://schemas.microsoft.com/office/drawing/2014/main" id="{0E2AF32F-6F36-4E96-8243-41E7456E0A2C}"/>
+              </a:ext>
+            </a:extLst>
+          </p:cNvPr>
+          <p:cNvSpPr>
+            <a:spLocks noGrp="1"/>
+          </p:cNvSpPr>
+          <p:nvPr>
+            <p:ph idx="1"/>
+          </p:nvPr>
+        </p:nvSpPr>
+        <p:spPr/>
+        <p:txBody>
+          <a:bodyPr/>
+          <a:lstStyle/>
+          <a:p>
+            <a:r>
+              <a:rPr lang="en-US" dirty="0"/>
+              <a:t>Transient (Time step) Simulation</a:t>
+            </a:r>
+          </a:p>
+          <a:p>
+            <a:pPr lvl="1"/>
+            <a:r>
+              <a:rPr lang="en-US" dirty="0"/>
+              <a:t>Add in capacitors, inductors, AC sources (time-dependent elements)</a:t>
+            </a:r>
+          </a:p>
+          <a:p>
+            <a:r>
+              <a:rPr lang="en-US" dirty="0"/>
+              <a:t>Second-order effects (improved transistor modelling)</a:t>
+            </a:r>
+          </a:p>
+          <a:p>
+            <a:r>
+              <a:rPr lang="en-US" dirty="0"/>
+              <a:t>Graphical interface or data export and plotting</a:t>
+            </a:r>
+          </a:p>
+          <a:p>
+            <a:r>
+              <a:rPr lang="en-US"/>
+              <a:t>Performance optimizations</a:t>
+            </a:r>
+            <a:endParaRPr lang="en-US" dirty="0"/>
+          </a:p>
+        </p:txBody>
+      </p:sp>
+    </p:spTree>
+    <p:extLst>
+      <p:ext uri="{BB962C8B-B14F-4D97-AF65-F5344CB8AC3E}">
+        <p14:creationId xmlns:p14="http://schemas.microsoft.com/office/powerpoint/2010/main" val="1205014278"/>
+      </p:ext>
+    </p:extLst>
+  </p:cSld>
+  <p:clrMapOvr>
+    <a:masterClrMapping/>
+  </p:clrMapOvr>
+</p:sld>
+</file>
+
 <file path=ppt/theme/theme1.xml><?xml version="1.0" encoding="utf-8"?>
 <a:theme xmlns:a="http://schemas.openxmlformats.org/drawingml/2006/main" name="Circuit">
   <a:themeElements>

--- a/Milestones/Milestone1Presentation.pptx
+++ b/Milestones/Milestone1Presentation.pptx
@@ -13426,7 +13426,9 @@
         </p:nvSpPr>
         <p:spPr/>
         <p:txBody>
-          <a:bodyPr/>
+          <a:bodyPr>
+            <a:normAutofit lnSpcReduction="10000"/>
+          </a:bodyPr>
           <a:lstStyle/>
           <a:p>
             <a:r>
@@ -13455,8 +13457,24 @@
           </a:p>
           <a:p>
             <a:r>
+              <a:rPr lang="en-US" dirty="0"/>
+              <a:t>Performance optimizations</a:t>
+            </a:r>
+          </a:p>
+          <a:p>
+            <a:r>
+              <a:rPr lang="en-US" dirty="0"/>
+              <a:t>Stream compaction of matrices (expected to be sparse in large circuits)</a:t>
+            </a:r>
+          </a:p>
+          <a:p>
+            <a:r>
+              <a:rPr lang="en-US" dirty="0"/>
+              <a:t>Move </a:t>
+            </a:r>
+            <a:r>
               <a:rPr lang="en-US"/>
-              <a:t>Performance optimizations</a:t>
+              <a:t>more calculations to GPU</a:t>
             </a:r>
             <a:endParaRPr lang="en-US" dirty="0"/>
           </a:p>
